--- a/lecture-slides/creationalpatterns_builder.pptx
+++ b/lecture-slides/creationalpatterns_builder.pptx
@@ -10100,6 +10100,45 @@
             <a:r>
               <a:rPr lang="en-US" dirty="0"/>
               <a:t>Does this sound familiar?</a:t>
+            </a:r>
+          </a:p>
+        </p:txBody>
+      </p:sp>
+      <p:sp>
+        <p:nvSpPr>
+          <p:cNvPr id="3" name="TextBox 2">
+            <a:extLst>
+              <a:ext uri="{FF2B5EF4-FFF2-40B4-BE49-F238E27FC236}">
+                <a16:creationId xmlns:a16="http://schemas.microsoft.com/office/drawing/2014/main" id="{6A9AF47C-4F7A-7845-B9DC-8893D6D2A7EA}"/>
+              </a:ext>
+            </a:extLst>
+          </p:cNvPr>
+          <p:cNvSpPr txBox="1"/>
+          <p:nvPr/>
+        </p:nvSpPr>
+        <p:spPr>
+          <a:xfrm>
+            <a:off x="4070958" y="5867400"/>
+            <a:ext cx="4296427" cy="646331"/>
+          </a:xfrm>
+          <a:prstGeom prst="rect">
+            <a:avLst/>
+          </a:prstGeom>
+          <a:noFill/>
+        </p:spPr>
+        <p:txBody>
+          <a:bodyPr wrap="square" rtlCol="0">
+            <a:spAutoFit/>
+          </a:bodyPr>
+          <a:lstStyle/>
+          <a:p>
+            <a:r>
+              <a:rPr lang="en-US" b="1" dirty="0">
+                <a:highlight>
+                  <a:srgbClr val="FFFF00"/>
+                </a:highlight>
+              </a:rPr>
+              <a:t>Similar to Bridge, but Bridge is not about creating objects</a:t>
             </a:r>
           </a:p>
         </p:txBody>
@@ -15127,7 +15166,17 @@
                 <a:latin typeface="Source Sans Pro" panose="020B0503030403020204" pitchFamily="34" charset="0"/>
                 <a:ea typeface="Source Sans Pro" panose="020B0503030403020204" pitchFamily="34" charset="0"/>
               </a:rPr>
-              <a:t>class Recipe{</a:t>
+              <a:t>class Recipe{ </a:t>
+            </a:r>
+            <a:r>
+              <a:rPr lang="en-US" sz="2000" kern="0" dirty="0">
+                <a:highlight>
+                  <a:srgbClr val="FFFF00"/>
+                </a:highlight>
+                <a:latin typeface="Source Sans Pro" panose="020B0503030403020204" pitchFamily="34" charset="0"/>
+                <a:ea typeface="Source Sans Pro" panose="020B0503030403020204" pitchFamily="34" charset="0"/>
+              </a:rPr>
+              <a:t>// Director</a:t>
             </a:r>
           </a:p>
           <a:p>
